--- a/Kubernetes & Minikube.pptx
+++ b/Kubernetes & Minikube.pptx
@@ -4211,7 +4211,7 @@
             </a:r>
             <a:r>
               <a:rPr lang="en-US" dirty="0"/>
-              <a:t> “drivers”:</a:t>
+              <a:t> node isolation “drivers”:</a:t>
             </a:r>
           </a:p>
         </p:txBody>

--- a/Kubernetes & Minikube.pptx
+++ b/Kubernetes & Minikube.pptx
@@ -4460,7 +4460,7 @@
             </a:r>
             <a:r>
               <a:rPr lang="en-US" dirty="0"/>
-              <a:t> apply, delete, edit, scale, create, logs</a:t>
+              <a:t> apply, get, delete, edit, scale, create, logs, describe</a:t>
             </a:r>
           </a:p>
           <a:p>
@@ -4634,6 +4634,20 @@
               </a:rPr>
               <a:t>https://github.com/hatfieldbrian/kube-demo</a:t>
             </a:r>
+            <a:endParaRPr lang="en-US" dirty="0"/>
+          </a:p>
+          <a:p>
+            <a:pPr lvl="1"/>
+            <a:r>
+              <a:rPr lang="en-US" dirty="0">
+                <a:hlinkClick r:id="rId6"/>
+              </a:rPr>
+              <a:t>https://github.com/RamenDR</a:t>
+            </a:r>
+            <a:endParaRPr lang="en-US" dirty="0"/>
+          </a:p>
+          <a:p>
+            <a:pPr lvl="1"/>
             <a:endParaRPr lang="en-US" dirty="0"/>
           </a:p>
         </p:txBody>
